--- a/Presentation/Udacity – SQL Database Exploration Project  .pptx
+++ b/Presentation/Udacity – SQL Database Exploration Project  .pptx
@@ -3327,7 +3327,7 @@
           <a:p>
             <a:fld id="{C452ADB1-275D-430A-89EE-5C7E6CFF6FF2}" type="datetimeFigureOut">
               <a:rPr lang="en-US" smtClean="0"/>
-              <a:t>12/10/20</a:t>
+              <a:t>12/11/20</a:t>
             </a:fld>
             <a:endParaRPr lang="en-US" dirty="0"/>
           </a:p>
@@ -12387,7 +12387,7 @@
           <a:p>
             <a:fld id="{7005E26E-BCB2-4FD5-8FD5-81A5EAE94C21}" type="datetime1">
               <a:rPr lang="en-US" smtClean="0"/>
-              <a:t>12/10/20</a:t>
+              <a:t>12/11/20</a:t>
             </a:fld>
             <a:endParaRPr lang="en-US" dirty="0"/>
           </a:p>
@@ -12589,7 +12589,7 @@
           <a:p>
             <a:fld id="{9CC2E9B8-0487-42E4-B571-744A3D775783}" type="datetime1">
               <a:rPr lang="en-US" smtClean="0"/>
-              <a:t>12/10/20</a:t>
+              <a:t>12/11/20</a:t>
             </a:fld>
             <a:endParaRPr lang="en-US" dirty="0"/>
           </a:p>
@@ -12764,7 +12764,7 @@
           <a:p>
             <a:fld id="{9052E32D-1E84-43FD-8158-FFFE757EB0E8}" type="datetime1">
               <a:rPr lang="en-US" smtClean="0"/>
-              <a:t>12/10/20</a:t>
+              <a:t>12/11/20</a:t>
             </a:fld>
             <a:endParaRPr lang="en-US" dirty="0"/>
           </a:p>
@@ -12964,7 +12964,7 @@
           <a:p>
             <a:fld id="{8585C470-CD19-455C-B830-6D252EAD7FE5}" type="datetime1">
               <a:rPr lang="en-US" smtClean="0"/>
-              <a:t>12/10/20</a:t>
+              <a:t>12/11/20</a:t>
             </a:fld>
             <a:endParaRPr lang="en-US" dirty="0"/>
           </a:p>
@@ -21857,7 +21857,7 @@
           <a:p>
             <a:fld id="{7F85C43C-50D9-4F49-A136-0EFF292F93ED}" type="datetime1">
               <a:rPr lang="en-US" smtClean="0"/>
-              <a:t>12/10/20</a:t>
+              <a:t>12/11/20</a:t>
             </a:fld>
             <a:endParaRPr lang="en-US" dirty="0"/>
           </a:p>
@@ -22126,7 +22126,7 @@
           <a:p>
             <a:fld id="{7B53B1A3-0AEF-4064-A724-D27D660C8653}" type="datetime1">
               <a:rPr lang="en-US" smtClean="0"/>
-              <a:t>12/10/20</a:t>
+              <a:t>12/11/20</a:t>
             </a:fld>
             <a:endParaRPr lang="en-US" dirty="0"/>
           </a:p>
@@ -22519,7 +22519,7 @@
           <a:p>
             <a:fld id="{37D5D0F2-BF66-4A24-9384-A0129B196518}" type="datetime1">
               <a:rPr lang="en-US" smtClean="0"/>
-              <a:t>12/10/20</a:t>
+              <a:t>12/11/20</a:t>
             </a:fld>
             <a:endParaRPr lang="en-US" dirty="0"/>
           </a:p>
@@ -22632,7 +22632,7 @@
           <a:p>
             <a:fld id="{8C318A6C-4F6B-48D2-BDB0-D7413B3FDB0A}" type="datetime1">
               <a:rPr lang="en-US" smtClean="0"/>
-              <a:t>12/10/20</a:t>
+              <a:t>12/11/20</a:t>
             </a:fld>
             <a:endParaRPr lang="en-US" dirty="0"/>
           </a:p>
@@ -22722,7 +22722,7 @@
           <a:p>
             <a:fld id="{BF01ECED-6ECE-4989-B917-9D4D7E6D3C76}" type="datetime1">
               <a:rPr lang="en-US" smtClean="0"/>
-              <a:t>12/10/20</a:t>
+              <a:t>12/11/20</a:t>
             </a:fld>
             <a:endParaRPr lang="en-US" dirty="0"/>
           </a:p>
@@ -23007,7 +23007,7 @@
           <a:p>
             <a:fld id="{E3B570E1-CB40-488E-8C6F-EF4211DFFCB0}" type="datetime1">
               <a:rPr lang="en-US" smtClean="0"/>
-              <a:t>12/10/20</a:t>
+              <a:t>12/11/20</a:t>
             </a:fld>
             <a:endParaRPr lang="en-US" dirty="0"/>
           </a:p>
@@ -23282,7 +23282,7 @@
           <a:p>
             <a:fld id="{D1CEB6AF-9F5C-43BE-879E-CB9514111250}" type="datetime1">
               <a:rPr lang="en-US" smtClean="0"/>
-              <a:t>12/10/20</a:t>
+              <a:t>12/11/20</a:t>
             </a:fld>
             <a:endParaRPr lang="en-US" dirty="0"/>
           </a:p>
@@ -23527,7 +23527,7 @@
           <a:p>
             <a:fld id="{E7EE424C-FCA3-4EDD-B274-8E055D649B7D}" type="datetime1">
               <a:rPr lang="en-US" smtClean="0"/>
-              <a:t>12/10/20</a:t>
+              <a:t>12/11/20</a:t>
             </a:fld>
             <a:endParaRPr lang="en-US" dirty="0"/>
           </a:p>
@@ -24433,35 +24433,6 @@
           </a:p>
         </p:txBody>
       </p:sp>
-      <p:pic>
-        <p:nvPicPr>
-          <p:cNvPr id="8" name="Content Placeholder 7" descr="Graphical user interface, text, application&#10;&#10;Description automatically generated">
-            <a:extLst>
-              <a:ext uri="{FF2B5EF4-FFF2-40B4-BE49-F238E27FC236}">
-                <a16:creationId xmlns:a16="http://schemas.microsoft.com/office/drawing/2014/main" id="{863D5A20-13C6-F54E-88F3-0A768E9D0AFD}"/>
-              </a:ext>
-            </a:extLst>
-          </p:cNvPr>
-          <p:cNvPicPr>
-            <a:picLocks noGrp="1" noChangeAspect="1"/>
-          </p:cNvPicPr>
-          <p:nvPr>
-            <p:ph sz="half" idx="2"/>
-          </p:nvPr>
-        </p:nvPicPr>
-        <p:blipFill>
-          <a:blip r:embed="rId2"/>
-          <a:stretch>
-            <a:fillRect/>
-          </a:stretch>
-        </p:blipFill>
-        <p:spPr>
-          <a:xfrm>
-            <a:off x="1352529" y="2967038"/>
-            <a:ext cx="4097379" cy="3341687"/>
-          </a:xfrm>
-        </p:spPr>
-      </p:pic>
       <p:graphicFrame>
         <p:nvGraphicFramePr>
           <p:cNvPr id="9" name="Content Placeholder 8">
@@ -24489,10 +24460,279 @@
         </p:xfrm>
         <a:graphic>
           <a:graphicData uri="http://schemas.openxmlformats.org/drawingml/2006/chart">
-            <c:chart xmlns:c="http://schemas.openxmlformats.org/drawingml/2006/chart" xmlns:r="http://schemas.openxmlformats.org/officeDocument/2006/relationships" r:id="rId3"/>
+            <c:chart xmlns:c="http://schemas.openxmlformats.org/drawingml/2006/chart" xmlns:r="http://schemas.openxmlformats.org/officeDocument/2006/relationships" r:id="rId2"/>
           </a:graphicData>
         </a:graphic>
       </p:graphicFrame>
+      <p:sp>
+        <p:nvSpPr>
+          <p:cNvPr id="6" name="TextBox 5">
+            <a:extLst>
+              <a:ext uri="{FF2B5EF4-FFF2-40B4-BE49-F238E27FC236}">
+                <a16:creationId xmlns:a16="http://schemas.microsoft.com/office/drawing/2014/main" id="{169C16A0-491A-8B46-950C-437EC608D7FA}"/>
+              </a:ext>
+            </a:extLst>
+          </p:cNvPr>
+          <p:cNvSpPr txBox="1"/>
+          <p:nvPr/>
+        </p:nvSpPr>
+        <p:spPr>
+          <a:xfrm>
+            <a:off x="918019" y="2967038"/>
+            <a:ext cx="4967097" cy="3647152"/>
+          </a:xfrm>
+          <a:prstGeom prst="rect">
+            <a:avLst/>
+          </a:prstGeom>
+          <a:noFill/>
+        </p:spPr>
+        <p:txBody>
+          <a:bodyPr wrap="square" rtlCol="0">
+            <a:spAutoFit/>
+          </a:bodyPr>
+          <a:lstStyle/>
+          <a:p>
+            <a:r>
+              <a:rPr lang="en-US" sz="1050" dirty="0"/>
+              <a:t>SELECT</a:t>
+            </a:r>
+          </a:p>
+          <a:p>
+            <a:r>
+              <a:rPr lang="en-US" sz="1050" dirty="0"/>
+              <a:t>  t1.film_title,</a:t>
+            </a:r>
+          </a:p>
+          <a:p>
+            <a:r>
+              <a:rPr lang="en-US" sz="1050" dirty="0"/>
+              <a:t>  t1.film_category,</a:t>
+            </a:r>
+          </a:p>
+          <a:p>
+            <a:r>
+              <a:rPr lang="en-US" sz="1050" dirty="0"/>
+              <a:t>  SUM(t1.rental_count) OVER (PARTITION BY </a:t>
+            </a:r>
+            <a:r>
+              <a:rPr lang="en-US" sz="1050" dirty="0" err="1"/>
+              <a:t>rental_count</a:t>
+            </a:r>
+            <a:r>
+              <a:rPr lang="en-US" sz="1050" dirty="0"/>
+              <a:t>) AS </a:t>
+            </a:r>
+            <a:r>
+              <a:rPr lang="en-US" sz="1050" dirty="0" err="1"/>
+              <a:t>rental_count</a:t>
+            </a:r>
+            <a:endParaRPr lang="en-US" sz="1050" dirty="0"/>
+          </a:p>
+          <a:p>
+            <a:r>
+              <a:rPr lang="en-US" sz="1050" dirty="0"/>
+              <a:t>FROM (SELECT</a:t>
+            </a:r>
+          </a:p>
+          <a:p>
+            <a:r>
+              <a:rPr lang="en-US" sz="1050" dirty="0"/>
+              <a:t>  </a:t>
+            </a:r>
+            <a:r>
+              <a:rPr lang="en-US" sz="1050" dirty="0" err="1"/>
+              <a:t>f.title</a:t>
+            </a:r>
+            <a:r>
+              <a:rPr lang="en-US" sz="1050" dirty="0"/>
+              <a:t> AS </a:t>
+            </a:r>
+            <a:r>
+              <a:rPr lang="en-US" sz="1050" dirty="0" err="1"/>
+              <a:t>film_title</a:t>
+            </a:r>
+            <a:r>
+              <a:rPr lang="en-US" sz="1050" dirty="0"/>
+              <a:t>,</a:t>
+            </a:r>
+          </a:p>
+          <a:p>
+            <a:r>
+              <a:rPr lang="en-US" sz="1050" dirty="0"/>
+              <a:t>  </a:t>
+            </a:r>
+            <a:r>
+              <a:rPr lang="en-US" sz="1050" dirty="0" err="1"/>
+              <a:t>c.name</a:t>
+            </a:r>
+            <a:r>
+              <a:rPr lang="en-US" sz="1050" dirty="0"/>
+              <a:t> AS </a:t>
+            </a:r>
+            <a:r>
+              <a:rPr lang="en-US" sz="1050" dirty="0" err="1"/>
+              <a:t>film_category</a:t>
+            </a:r>
+            <a:r>
+              <a:rPr lang="en-US" sz="1050" dirty="0"/>
+              <a:t>,</a:t>
+            </a:r>
+          </a:p>
+          <a:p>
+            <a:r>
+              <a:rPr lang="en-US" sz="1050" dirty="0"/>
+              <a:t>  </a:t>
+            </a:r>
+            <a:r>
+              <a:rPr lang="en-US" sz="1050" dirty="0" err="1"/>
+              <a:t>r.rental_id</a:t>
+            </a:r>
+            <a:r>
+              <a:rPr lang="en-US" sz="1050" dirty="0"/>
+              <a:t> AS </a:t>
+            </a:r>
+            <a:r>
+              <a:rPr lang="en-US" sz="1050" dirty="0" err="1"/>
+              <a:t>rental_count</a:t>
+            </a:r>
+            <a:endParaRPr lang="en-US" sz="1050" dirty="0"/>
+          </a:p>
+          <a:p>
+            <a:r>
+              <a:rPr lang="en-US" sz="1050" dirty="0"/>
+              <a:t>FROM film f</a:t>
+            </a:r>
+          </a:p>
+          <a:p>
+            <a:r>
+              <a:rPr lang="en-US" sz="1050" dirty="0"/>
+              <a:t>INNER JOIN </a:t>
+            </a:r>
+            <a:r>
+              <a:rPr lang="en-US" sz="1050" dirty="0" err="1"/>
+              <a:t>film_category</a:t>
+            </a:r>
+            <a:r>
+              <a:rPr lang="en-US" sz="1050" dirty="0"/>
+              <a:t> fc</a:t>
+            </a:r>
+          </a:p>
+          <a:p>
+            <a:r>
+              <a:rPr lang="en-US" sz="1050" dirty="0"/>
+              <a:t>  ON </a:t>
+            </a:r>
+            <a:r>
+              <a:rPr lang="en-US" sz="1050" dirty="0" err="1"/>
+              <a:t>f.film_id</a:t>
+            </a:r>
+            <a:r>
+              <a:rPr lang="en-US" sz="1050" dirty="0"/>
+              <a:t> = </a:t>
+            </a:r>
+            <a:r>
+              <a:rPr lang="en-US" sz="1050" dirty="0" err="1"/>
+              <a:t>fc.film_id</a:t>
+            </a:r>
+            <a:endParaRPr lang="en-US" sz="1050" dirty="0"/>
+          </a:p>
+          <a:p>
+            <a:r>
+              <a:rPr lang="en-US" sz="1050" dirty="0"/>
+              <a:t>INNER JOIN category c</a:t>
+            </a:r>
+          </a:p>
+          <a:p>
+            <a:r>
+              <a:rPr lang="en-US" sz="1050" dirty="0"/>
+              <a:t>  ON </a:t>
+            </a:r>
+            <a:r>
+              <a:rPr lang="en-US" sz="1050" dirty="0" err="1"/>
+              <a:t>fc.category_id</a:t>
+            </a:r>
+            <a:r>
+              <a:rPr lang="en-US" sz="1050" dirty="0"/>
+              <a:t> = </a:t>
+            </a:r>
+            <a:r>
+              <a:rPr lang="en-US" sz="1050" dirty="0" err="1"/>
+              <a:t>c.category_id</a:t>
+            </a:r>
+            <a:endParaRPr lang="en-US" sz="1050" dirty="0"/>
+          </a:p>
+          <a:p>
+            <a:r>
+              <a:rPr lang="en-US" sz="1050" dirty="0"/>
+              <a:t>INNER JOIN rental r</a:t>
+            </a:r>
+          </a:p>
+          <a:p>
+            <a:r>
+              <a:rPr lang="en-US" sz="1050" dirty="0"/>
+              <a:t>  ON </a:t>
+            </a:r>
+            <a:r>
+              <a:rPr lang="en-US" sz="1050" dirty="0" err="1"/>
+              <a:t>f.film_id</a:t>
+            </a:r>
+            <a:r>
+              <a:rPr lang="en-US" sz="1050" dirty="0"/>
+              <a:t> = </a:t>
+            </a:r>
+            <a:r>
+              <a:rPr lang="en-US" sz="1050" dirty="0" err="1"/>
+              <a:t>r.rental_id</a:t>
+            </a:r>
+            <a:r>
+              <a:rPr lang="en-US" sz="1050" dirty="0"/>
+              <a:t>) t1</a:t>
+            </a:r>
+          </a:p>
+          <a:p>
+            <a:r>
+              <a:rPr lang="en-US" sz="1050" dirty="0"/>
+              <a:t>WHERE t1.film_category = 'Animation'</a:t>
+            </a:r>
+          </a:p>
+          <a:p>
+            <a:r>
+              <a:rPr lang="en-US" sz="1050" dirty="0"/>
+              <a:t>OR t1.film_category = 'Classic'</a:t>
+            </a:r>
+          </a:p>
+          <a:p>
+            <a:r>
+              <a:rPr lang="en-US" sz="1050" dirty="0"/>
+              <a:t>OR t1.film_category = 'Comedy'</a:t>
+            </a:r>
+          </a:p>
+          <a:p>
+            <a:r>
+              <a:rPr lang="en-US" sz="1050" dirty="0"/>
+              <a:t>GROUP BY t1.film_title,</a:t>
+            </a:r>
+          </a:p>
+          <a:p>
+            <a:r>
+              <a:rPr lang="en-US" sz="1050" dirty="0"/>
+              <a:t>         t1.film_category,</a:t>
+            </a:r>
+          </a:p>
+          <a:p>
+            <a:r>
+              <a:rPr lang="en-US" sz="1050" dirty="0"/>
+              <a:t>         t1.rental_count</a:t>
+            </a:r>
+          </a:p>
+          <a:p>
+            <a:r>
+              <a:rPr lang="en-US" sz="1050" dirty="0"/>
+              <a:t>ORDER BY t1.film_category, t1.film_title ASC;</a:t>
+            </a:r>
+          </a:p>
+        </p:txBody>
+      </p:sp>
     </p:spTree>
     <p:extLst>
       <p:ext uri="{BB962C8B-B14F-4D97-AF65-F5344CB8AC3E}">
@@ -24632,35 +24872,6 @@
           </a:p>
         </p:txBody>
       </p:sp>
-      <p:pic>
-        <p:nvPicPr>
-          <p:cNvPr id="8" name="Content Placeholder 7" descr="Graphical user interface, text, application, email&#10;&#10;Description automatically generated">
-            <a:extLst>
-              <a:ext uri="{FF2B5EF4-FFF2-40B4-BE49-F238E27FC236}">
-                <a16:creationId xmlns:a16="http://schemas.microsoft.com/office/drawing/2014/main" id="{8F96FA67-62A8-8D4A-A5AD-F45C73345A14}"/>
-              </a:ext>
-            </a:extLst>
-          </p:cNvPr>
-          <p:cNvPicPr>
-            <a:picLocks noGrp="1" noChangeAspect="1"/>
-          </p:cNvPicPr>
-          <p:nvPr>
-            <p:ph sz="half" idx="2"/>
-          </p:nvPr>
-        </p:nvPicPr>
-        <p:blipFill>
-          <a:blip r:embed="rId2"/>
-          <a:stretch>
-            <a:fillRect/>
-          </a:stretch>
-        </p:blipFill>
-        <p:spPr>
-          <a:xfrm>
-            <a:off x="1023938" y="3049005"/>
-            <a:ext cx="4754562" cy="3177752"/>
-          </a:xfrm>
-        </p:spPr>
-      </p:pic>
       <p:graphicFrame>
         <p:nvGraphicFramePr>
           <p:cNvPr id="9" name="Content Placeholder 8">
@@ -24677,7 +24888,7 @@
             <p:ph sz="quarter" idx="4"/>
             <p:extLst>
               <p:ext uri="{D42A27DB-BD31-4B8C-83A1-F6EECF244321}">
-                <p14:modId xmlns:p14="http://schemas.microsoft.com/office/powerpoint/2010/main" val="4108965753"/>
+                <p14:modId xmlns:p14="http://schemas.microsoft.com/office/powerpoint/2010/main" val="2569096725"/>
               </p:ext>
             </p:extLst>
           </p:nvPr>
@@ -27346,6 +27557,267 @@
           </a:graphicData>
         </a:graphic>
       </p:graphicFrame>
+      <p:sp>
+        <p:nvSpPr>
+          <p:cNvPr id="4" name="TextBox 3">
+            <a:extLst>
+              <a:ext uri="{FF2B5EF4-FFF2-40B4-BE49-F238E27FC236}">
+                <a16:creationId xmlns:a16="http://schemas.microsoft.com/office/drawing/2014/main" id="{0BC0BB41-0257-4341-B704-D339C52C5EF4}"/>
+              </a:ext>
+            </a:extLst>
+          </p:cNvPr>
+          <p:cNvSpPr txBox="1"/>
+          <p:nvPr/>
+        </p:nvSpPr>
+        <p:spPr>
+          <a:xfrm>
+            <a:off x="1024128" y="3049005"/>
+            <a:ext cx="4419599" cy="3485570"/>
+          </a:xfrm>
+          <a:prstGeom prst="rect">
+            <a:avLst/>
+          </a:prstGeom>
+          <a:noFill/>
+        </p:spPr>
+        <p:txBody>
+          <a:bodyPr wrap="square" rtlCol="0">
+            <a:spAutoFit/>
+          </a:bodyPr>
+          <a:lstStyle/>
+          <a:p>
+            <a:r>
+              <a:rPr lang="en-US" sz="1050" dirty="0"/>
+              <a:t>SELECT</a:t>
+            </a:r>
+          </a:p>
+          <a:p>
+            <a:r>
+              <a:rPr lang="en-US" sz="1050" dirty="0"/>
+              <a:t>  </a:t>
+            </a:r>
+            <a:r>
+              <a:rPr lang="en-US" sz="1050" dirty="0" err="1"/>
+              <a:t>f.title</a:t>
+            </a:r>
+            <a:r>
+              <a:rPr lang="en-US" sz="1050" dirty="0"/>
+              <a:t> AS </a:t>
+            </a:r>
+            <a:r>
+              <a:rPr lang="en-US" sz="1050" dirty="0" err="1"/>
+              <a:t>film_title</a:t>
+            </a:r>
+            <a:r>
+              <a:rPr lang="en-US" sz="1050" dirty="0"/>
+              <a:t>,</a:t>
+            </a:r>
+          </a:p>
+          <a:p>
+            <a:r>
+              <a:rPr lang="en-US" sz="1050" dirty="0"/>
+              <a:t>  </a:t>
+            </a:r>
+            <a:r>
+              <a:rPr lang="en-US" sz="1050" dirty="0" err="1"/>
+              <a:t>c.name</a:t>
+            </a:r>
+            <a:r>
+              <a:rPr lang="en-US" sz="1050" dirty="0"/>
+              <a:t> AS </a:t>
+            </a:r>
+            <a:r>
+              <a:rPr lang="en-US" sz="1050" dirty="0" err="1"/>
+              <a:t>category_name</a:t>
+            </a:r>
+            <a:r>
+              <a:rPr lang="en-US" sz="1050" dirty="0"/>
+              <a:t>,</a:t>
+            </a:r>
+          </a:p>
+          <a:p>
+            <a:r>
+              <a:rPr lang="en-US" sz="1050" dirty="0"/>
+              <a:t>  </a:t>
+            </a:r>
+            <a:r>
+              <a:rPr lang="en-US" sz="1050" dirty="0" err="1"/>
+              <a:t>f.rental_duration</a:t>
+            </a:r>
+            <a:r>
+              <a:rPr lang="en-US" sz="1050" dirty="0"/>
+              <a:t> AS </a:t>
+            </a:r>
+            <a:r>
+              <a:rPr lang="en-US" sz="1050" dirty="0" err="1"/>
+              <a:t>rental_duration</a:t>
+            </a:r>
+            <a:r>
+              <a:rPr lang="en-US" sz="1050" dirty="0"/>
+              <a:t>,</a:t>
+            </a:r>
+          </a:p>
+          <a:p>
+            <a:r>
+              <a:rPr lang="en-US" sz="1050" dirty="0"/>
+              <a:t>  NTILE(4) OVER (ORDER BY </a:t>
+            </a:r>
+            <a:r>
+              <a:rPr lang="en-US" sz="1050" dirty="0" err="1"/>
+              <a:t>f.rental_duration</a:t>
+            </a:r>
+            <a:r>
+              <a:rPr lang="en-US" sz="1050" dirty="0"/>
+              <a:t>) AS quartiles</a:t>
+            </a:r>
+          </a:p>
+          <a:p>
+            <a:r>
+              <a:rPr lang="en-US" sz="1050" dirty="0"/>
+              <a:t>FROM film f</a:t>
+            </a:r>
+          </a:p>
+          <a:p>
+            <a:r>
+              <a:rPr lang="en-US" sz="1050" dirty="0"/>
+              <a:t>INNER JOIN </a:t>
+            </a:r>
+            <a:r>
+              <a:rPr lang="en-US" sz="1050" dirty="0" err="1"/>
+              <a:t>film_category</a:t>
+            </a:r>
+            <a:r>
+              <a:rPr lang="en-US" sz="1050" dirty="0"/>
+              <a:t> fc</a:t>
+            </a:r>
+          </a:p>
+          <a:p>
+            <a:r>
+              <a:rPr lang="en-US" sz="1050" dirty="0"/>
+              <a:t>  ON </a:t>
+            </a:r>
+            <a:r>
+              <a:rPr lang="en-US" sz="1050" dirty="0" err="1"/>
+              <a:t>f.film_id</a:t>
+            </a:r>
+            <a:r>
+              <a:rPr lang="en-US" sz="1050" dirty="0"/>
+              <a:t> = </a:t>
+            </a:r>
+            <a:r>
+              <a:rPr lang="en-US" sz="1050" dirty="0" err="1"/>
+              <a:t>fc.film_id</a:t>
+            </a:r>
+            <a:endParaRPr lang="en-US" sz="1050" dirty="0"/>
+          </a:p>
+          <a:p>
+            <a:r>
+              <a:rPr lang="en-US" sz="1050" dirty="0"/>
+              <a:t>INNER JOIN category c</a:t>
+            </a:r>
+          </a:p>
+          <a:p>
+            <a:r>
+              <a:rPr lang="en-US" sz="1050" dirty="0"/>
+              <a:t>  ON </a:t>
+            </a:r>
+            <a:r>
+              <a:rPr lang="en-US" sz="1050" dirty="0" err="1"/>
+              <a:t>c.category_id</a:t>
+            </a:r>
+            <a:r>
+              <a:rPr lang="en-US" sz="1050" dirty="0"/>
+              <a:t> = </a:t>
+            </a:r>
+            <a:r>
+              <a:rPr lang="en-US" sz="1050" dirty="0" err="1"/>
+              <a:t>fc.category_id</a:t>
+            </a:r>
+            <a:endParaRPr lang="en-US" sz="1050" dirty="0"/>
+          </a:p>
+          <a:p>
+            <a:r>
+              <a:rPr lang="en-US" sz="1050" dirty="0"/>
+              <a:t>WHERE </a:t>
+            </a:r>
+            <a:r>
+              <a:rPr lang="en-US" sz="1050" dirty="0" err="1"/>
+              <a:t>c.name</a:t>
+            </a:r>
+            <a:r>
+              <a:rPr lang="en-US" sz="1050" dirty="0"/>
+              <a:t> IN (</a:t>
+            </a:r>
+          </a:p>
+          <a:p>
+            <a:r>
+              <a:rPr lang="en-US" sz="1050" dirty="0"/>
+              <a:t>'Animation',</a:t>
+            </a:r>
+          </a:p>
+          <a:p>
+            <a:r>
+              <a:rPr lang="en-US" sz="1050" dirty="0"/>
+              <a:t>'</a:t>
+            </a:r>
+            <a:r>
+              <a:rPr lang="en-US" sz="1050" dirty="0" err="1"/>
+              <a:t>Childern</a:t>
+            </a:r>
+            <a:r>
+              <a:rPr lang="en-US" sz="1050" dirty="0"/>
+              <a:t>',</a:t>
+            </a:r>
+          </a:p>
+          <a:p>
+            <a:r>
+              <a:rPr lang="en-US" sz="1050" dirty="0"/>
+              <a:t>'Comedy',</a:t>
+            </a:r>
+          </a:p>
+          <a:p>
+            <a:r>
+              <a:rPr lang="en-US" sz="1050" dirty="0"/>
+              <a:t>'Family',</a:t>
+            </a:r>
+          </a:p>
+          <a:p>
+            <a:r>
+              <a:rPr lang="en-US" sz="1050" dirty="0"/>
+              <a:t>'Music'</a:t>
+            </a:r>
+          </a:p>
+          <a:p>
+            <a:r>
+              <a:rPr lang="en-US" sz="1050" dirty="0"/>
+              <a:t>)</a:t>
+            </a:r>
+          </a:p>
+          <a:p>
+            <a:r>
+              <a:rPr lang="en-US" sz="1050" dirty="0"/>
+              <a:t>GROUP BY 1,</a:t>
+            </a:r>
+          </a:p>
+          <a:p>
+            <a:r>
+              <a:rPr lang="en-US" sz="1050" dirty="0"/>
+              <a:t>         2,</a:t>
+            </a:r>
+          </a:p>
+          <a:p>
+            <a:r>
+              <a:rPr lang="en-US" sz="1050" dirty="0"/>
+              <a:t>         3</a:t>
+            </a:r>
+          </a:p>
+          <a:p>
+            <a:r>
+              <a:rPr lang="en-US" sz="1050" dirty="0"/>
+              <a:t>ORDER BY 3 ASC;</a:t>
+            </a:r>
+          </a:p>
+        </p:txBody>
+      </p:sp>
     </p:spTree>
     <p:extLst>
       <p:ext uri="{BB962C8B-B14F-4D97-AF65-F5344CB8AC3E}">
@@ -27445,35 +27917,6 @@
           </a:p>
         </p:txBody>
       </p:sp>
-      <p:pic>
-        <p:nvPicPr>
-          <p:cNvPr id="11" name="Content Placeholder 10" descr="A picture containing text&#10;&#10;Description automatically generated">
-            <a:extLst>
-              <a:ext uri="{FF2B5EF4-FFF2-40B4-BE49-F238E27FC236}">
-                <a16:creationId xmlns:a16="http://schemas.microsoft.com/office/drawing/2014/main" id="{261E3A24-9998-0749-9BC5-0A7F51F457A0}"/>
-              </a:ext>
-            </a:extLst>
-          </p:cNvPr>
-          <p:cNvPicPr>
-            <a:picLocks noGrp="1" noChangeAspect="1"/>
-          </p:cNvPicPr>
-          <p:nvPr>
-            <p:ph sz="half" idx="2"/>
-          </p:nvPr>
-        </p:nvPicPr>
-        <p:blipFill>
-          <a:blip r:embed="rId2"/>
-          <a:stretch>
-            <a:fillRect/>
-          </a:stretch>
-        </p:blipFill>
-        <p:spPr>
-          <a:xfrm>
-            <a:off x="1023938" y="2972578"/>
-            <a:ext cx="4754562" cy="3330606"/>
-          </a:xfrm>
-        </p:spPr>
-      </p:pic>
       <p:graphicFrame>
         <p:nvGraphicFramePr>
           <p:cNvPr id="7" name="Content Placeholder 6">
@@ -27501,10 +27944,258 @@
         </p:xfrm>
         <a:graphic>
           <a:graphicData uri="http://schemas.openxmlformats.org/drawingml/2006/chart">
-            <c:chart xmlns:c="http://schemas.openxmlformats.org/drawingml/2006/chart" xmlns:r="http://schemas.openxmlformats.org/officeDocument/2006/relationships" r:id="rId3"/>
+            <c:chart xmlns:c="http://schemas.openxmlformats.org/drawingml/2006/chart" xmlns:r="http://schemas.openxmlformats.org/officeDocument/2006/relationships" r:id="rId2"/>
           </a:graphicData>
         </a:graphic>
       </p:graphicFrame>
+      <p:sp>
+        <p:nvSpPr>
+          <p:cNvPr id="4" name="TextBox 3">
+            <a:extLst>
+              <a:ext uri="{FF2B5EF4-FFF2-40B4-BE49-F238E27FC236}">
+                <a16:creationId xmlns:a16="http://schemas.microsoft.com/office/drawing/2014/main" id="{84992CA4-634C-DE4B-AEB3-BE1DCF126B24}"/>
+              </a:ext>
+            </a:extLst>
+          </p:cNvPr>
+          <p:cNvSpPr txBox="1"/>
+          <p:nvPr/>
+        </p:nvSpPr>
+        <p:spPr>
+          <a:xfrm>
+            <a:off x="1024125" y="2913145"/>
+            <a:ext cx="4754561" cy="3647152"/>
+          </a:xfrm>
+          <a:prstGeom prst="rect">
+            <a:avLst/>
+          </a:prstGeom>
+          <a:noFill/>
+        </p:spPr>
+        <p:txBody>
+          <a:bodyPr wrap="square" rtlCol="0">
+            <a:spAutoFit/>
+          </a:bodyPr>
+          <a:lstStyle/>
+          <a:p>
+            <a:r>
+              <a:rPr lang="en-US" sz="1050" dirty="0"/>
+              <a:t>SELECT</a:t>
+            </a:r>
+          </a:p>
+          <a:p>
+            <a:r>
+              <a:rPr lang="en-US" sz="1050" dirty="0"/>
+              <a:t>  </a:t>
+            </a:r>
+            <a:r>
+              <a:rPr lang="en-US" sz="1050" dirty="0" err="1"/>
+              <a:t>category_name</a:t>
+            </a:r>
+            <a:r>
+              <a:rPr lang="en-US" sz="1050" dirty="0"/>
+              <a:t>,</a:t>
+            </a:r>
+          </a:p>
+          <a:p>
+            <a:r>
+              <a:rPr lang="en-US" sz="1050" dirty="0"/>
+              <a:t>  quartiles,</a:t>
+            </a:r>
+          </a:p>
+          <a:p>
+            <a:r>
+              <a:rPr lang="en-US" sz="1050" dirty="0"/>
+              <a:t>  COUNT(t1.category_name) AS </a:t>
+            </a:r>
+            <a:r>
+              <a:rPr lang="en-US" sz="1050" dirty="0" err="1"/>
+              <a:t>category_count</a:t>
+            </a:r>
+            <a:endParaRPr lang="en-US" sz="1050" dirty="0"/>
+          </a:p>
+          <a:p>
+            <a:r>
+              <a:rPr lang="en-US" sz="1050" dirty="0"/>
+              <a:t>FROM (SELECT</a:t>
+            </a:r>
+          </a:p>
+          <a:p>
+            <a:r>
+              <a:rPr lang="en-US" sz="1050" dirty="0"/>
+              <a:t>  </a:t>
+            </a:r>
+            <a:r>
+              <a:rPr lang="en-US" sz="1050" dirty="0" err="1"/>
+              <a:t>c.name</a:t>
+            </a:r>
+            <a:r>
+              <a:rPr lang="en-US" sz="1050" dirty="0"/>
+              <a:t> AS </a:t>
+            </a:r>
+            <a:r>
+              <a:rPr lang="en-US" sz="1050" dirty="0" err="1"/>
+              <a:t>category_name</a:t>
+            </a:r>
+            <a:r>
+              <a:rPr lang="en-US" sz="1050" dirty="0"/>
+              <a:t>,</a:t>
+            </a:r>
+          </a:p>
+          <a:p>
+            <a:r>
+              <a:rPr lang="en-US" sz="1050" dirty="0"/>
+              <a:t>  NTILE(4) OVER (ORDER BY </a:t>
+            </a:r>
+            <a:r>
+              <a:rPr lang="en-US" sz="1050" dirty="0" err="1"/>
+              <a:t>f.rental_duration</a:t>
+            </a:r>
+            <a:r>
+              <a:rPr lang="en-US" sz="1050" dirty="0"/>
+              <a:t>) AS quartiles</a:t>
+            </a:r>
+          </a:p>
+          <a:p>
+            <a:r>
+              <a:rPr lang="en-US" sz="1050" dirty="0"/>
+              <a:t>FROM film f</a:t>
+            </a:r>
+          </a:p>
+          <a:p>
+            <a:r>
+              <a:rPr lang="en-US" sz="1050" dirty="0"/>
+              <a:t>INNER JOIN </a:t>
+            </a:r>
+            <a:r>
+              <a:rPr lang="en-US" sz="1050" dirty="0" err="1"/>
+              <a:t>film_category</a:t>
+            </a:r>
+            <a:r>
+              <a:rPr lang="en-US" sz="1050" dirty="0"/>
+              <a:t> fc</a:t>
+            </a:r>
+          </a:p>
+          <a:p>
+            <a:r>
+              <a:rPr lang="en-US" sz="1050" dirty="0"/>
+              <a:t>  ON </a:t>
+            </a:r>
+            <a:r>
+              <a:rPr lang="en-US" sz="1050" dirty="0" err="1"/>
+              <a:t>f.film_id</a:t>
+            </a:r>
+            <a:r>
+              <a:rPr lang="en-US" sz="1050" dirty="0"/>
+              <a:t> = </a:t>
+            </a:r>
+            <a:r>
+              <a:rPr lang="en-US" sz="1050" dirty="0" err="1"/>
+              <a:t>fc.film_id</a:t>
+            </a:r>
+            <a:endParaRPr lang="en-US" sz="1050" dirty="0"/>
+          </a:p>
+          <a:p>
+            <a:r>
+              <a:rPr lang="en-US" sz="1050" dirty="0"/>
+              <a:t>INNER JOIN category c</a:t>
+            </a:r>
+          </a:p>
+          <a:p>
+            <a:r>
+              <a:rPr lang="en-US" sz="1050" dirty="0"/>
+              <a:t>  ON </a:t>
+            </a:r>
+            <a:r>
+              <a:rPr lang="en-US" sz="1050" dirty="0" err="1"/>
+              <a:t>c.category_id</a:t>
+            </a:r>
+            <a:r>
+              <a:rPr lang="en-US" sz="1050" dirty="0"/>
+              <a:t> = </a:t>
+            </a:r>
+            <a:r>
+              <a:rPr lang="en-US" sz="1050" dirty="0" err="1"/>
+              <a:t>fc.category_id</a:t>
+            </a:r>
+            <a:endParaRPr lang="en-US" sz="1050" dirty="0"/>
+          </a:p>
+          <a:p>
+            <a:r>
+              <a:rPr lang="en-US" sz="1050" dirty="0"/>
+              <a:t>WHERE </a:t>
+            </a:r>
+            <a:r>
+              <a:rPr lang="en-US" sz="1050" dirty="0" err="1"/>
+              <a:t>c.name</a:t>
+            </a:r>
+            <a:r>
+              <a:rPr lang="en-US" sz="1050" dirty="0"/>
+              <a:t> IN (</a:t>
+            </a:r>
+          </a:p>
+          <a:p>
+            <a:r>
+              <a:rPr lang="en-US" sz="1050" dirty="0"/>
+              <a:t>'Animation',</a:t>
+            </a:r>
+          </a:p>
+          <a:p>
+            <a:r>
+              <a:rPr lang="en-US" sz="1050" dirty="0"/>
+              <a:t>'</a:t>
+            </a:r>
+            <a:r>
+              <a:rPr lang="en-US" sz="1050" dirty="0" err="1"/>
+              <a:t>Childern</a:t>
+            </a:r>
+            <a:r>
+              <a:rPr lang="en-US" sz="1050" dirty="0"/>
+              <a:t>',</a:t>
+            </a:r>
+          </a:p>
+          <a:p>
+            <a:r>
+              <a:rPr lang="en-US" sz="1050" dirty="0"/>
+              <a:t>'Comedy',</a:t>
+            </a:r>
+          </a:p>
+          <a:p>
+            <a:r>
+              <a:rPr lang="en-US" sz="1050" dirty="0"/>
+              <a:t>'Family',</a:t>
+            </a:r>
+          </a:p>
+          <a:p>
+            <a:r>
+              <a:rPr lang="en-US" sz="1050" dirty="0"/>
+              <a:t>'Music'</a:t>
+            </a:r>
+          </a:p>
+          <a:p>
+            <a:r>
+              <a:rPr lang="en-US" sz="1050" dirty="0"/>
+              <a:t>)) t1</a:t>
+            </a:r>
+          </a:p>
+          <a:p>
+            <a:r>
+              <a:rPr lang="en-US" sz="1050" dirty="0"/>
+              <a:t>GROUP BY 1,</a:t>
+            </a:r>
+          </a:p>
+          <a:p>
+            <a:r>
+              <a:rPr lang="en-US" sz="1050" dirty="0"/>
+              <a:t>         2</a:t>
+            </a:r>
+          </a:p>
+          <a:p>
+            <a:r>
+              <a:rPr lang="en-US" sz="1050" dirty="0"/>
+              <a:t>ORDER BY 1, 2;</a:t>
+            </a:r>
+          </a:p>
+        </p:txBody>
+      </p:sp>
     </p:spTree>
     <p:extLst>
       <p:ext uri="{BB962C8B-B14F-4D97-AF65-F5344CB8AC3E}">
@@ -27608,35 +28299,6 @@
           </a:p>
         </p:txBody>
       </p:sp>
-      <p:pic>
-        <p:nvPicPr>
-          <p:cNvPr id="8" name="Content Placeholder 7" descr="Graphical user interface, text, application&#10;&#10;Description automatically generated">
-            <a:extLst>
-              <a:ext uri="{FF2B5EF4-FFF2-40B4-BE49-F238E27FC236}">
-                <a16:creationId xmlns:a16="http://schemas.microsoft.com/office/drawing/2014/main" id="{F04A1089-6C19-514C-BA4E-AFA9436BF9F6}"/>
-              </a:ext>
-            </a:extLst>
-          </p:cNvPr>
-          <p:cNvPicPr>
-            <a:picLocks noGrp="1" noChangeAspect="1"/>
-          </p:cNvPicPr>
-          <p:nvPr>
-            <p:ph sz="half" idx="2"/>
-          </p:nvPr>
-        </p:nvPicPr>
-        <p:blipFill>
-          <a:blip r:embed="rId2"/>
-          <a:stretch>
-            <a:fillRect/>
-          </a:stretch>
-        </p:blipFill>
-        <p:spPr>
-          <a:xfrm>
-            <a:off x="1023938" y="2967788"/>
-            <a:ext cx="4754562" cy="2373258"/>
-          </a:xfrm>
-        </p:spPr>
-      </p:pic>
       <p:graphicFrame>
         <p:nvGraphicFramePr>
           <p:cNvPr id="9" name="Content Placeholder 8">
@@ -27659,10 +28321,219 @@
         </p:xfrm>
         <a:graphic>
           <a:graphicData uri="http://schemas.openxmlformats.org/drawingml/2006/chart">
-            <c:chart xmlns:c="http://schemas.openxmlformats.org/drawingml/2006/chart" xmlns:r="http://schemas.openxmlformats.org/officeDocument/2006/relationships" r:id="rId3"/>
+            <c:chart xmlns:c="http://schemas.openxmlformats.org/drawingml/2006/chart" xmlns:r="http://schemas.openxmlformats.org/officeDocument/2006/relationships" r:id="rId2"/>
           </a:graphicData>
         </a:graphic>
       </p:graphicFrame>
+      <p:sp>
+        <p:nvSpPr>
+          <p:cNvPr id="5" name="TextBox 4">
+            <a:extLst>
+              <a:ext uri="{FF2B5EF4-FFF2-40B4-BE49-F238E27FC236}">
+                <a16:creationId xmlns:a16="http://schemas.microsoft.com/office/drawing/2014/main" id="{34A42D2B-8391-2543-A542-A3CEBC2B6B76}"/>
+              </a:ext>
+            </a:extLst>
+          </p:cNvPr>
+          <p:cNvSpPr txBox="1"/>
+          <p:nvPr/>
+        </p:nvSpPr>
+        <p:spPr>
+          <a:xfrm>
+            <a:off x="1024128" y="2998010"/>
+            <a:ext cx="4754563" cy="2677656"/>
+          </a:xfrm>
+          <a:prstGeom prst="rect">
+            <a:avLst/>
+          </a:prstGeom>
+          <a:noFill/>
+        </p:spPr>
+        <p:txBody>
+          <a:bodyPr wrap="square" rtlCol="0">
+            <a:spAutoFit/>
+          </a:bodyPr>
+          <a:lstStyle/>
+          <a:p>
+            <a:r>
+              <a:rPr lang="en-US" sz="1050" dirty="0"/>
+              <a:t>SELECT</a:t>
+            </a:r>
+          </a:p>
+          <a:p>
+            <a:r>
+              <a:rPr lang="en-US" sz="1050" dirty="0"/>
+              <a:t>  DATE_PART('Year', </a:t>
+            </a:r>
+            <a:r>
+              <a:rPr lang="en-US" sz="1050" dirty="0" err="1"/>
+              <a:t>rental_date</a:t>
+            </a:r>
+            <a:r>
+              <a:rPr lang="en-US" sz="1050" dirty="0"/>
+              <a:t>) AS </a:t>
+            </a:r>
+            <a:r>
+              <a:rPr lang="en-US" sz="1050" dirty="0" err="1"/>
+              <a:t>rental_years</a:t>
+            </a:r>
+            <a:r>
+              <a:rPr lang="en-US" sz="1050" dirty="0"/>
+              <a:t>,</a:t>
+            </a:r>
+          </a:p>
+          <a:p>
+            <a:r>
+              <a:rPr lang="en-US" sz="1050" dirty="0"/>
+              <a:t>  DATE_PART('Month', </a:t>
+            </a:r>
+            <a:r>
+              <a:rPr lang="en-US" sz="1050" dirty="0" err="1"/>
+              <a:t>rental_date</a:t>
+            </a:r>
+            <a:r>
+              <a:rPr lang="en-US" sz="1050" dirty="0"/>
+              <a:t>) AS </a:t>
+            </a:r>
+            <a:r>
+              <a:rPr lang="en-US" sz="1050" dirty="0" err="1"/>
+              <a:t>rental_months</a:t>
+            </a:r>
+            <a:r>
+              <a:rPr lang="en-US" sz="1050" dirty="0"/>
+              <a:t>,</a:t>
+            </a:r>
+          </a:p>
+          <a:p>
+            <a:r>
+              <a:rPr lang="en-US" sz="1050" dirty="0"/>
+              <a:t>  </a:t>
+            </a:r>
+            <a:r>
+              <a:rPr lang="en-US" sz="1050" dirty="0" err="1"/>
+              <a:t>store.store_id</a:t>
+            </a:r>
+            <a:r>
+              <a:rPr lang="en-US" sz="1050" dirty="0"/>
+              <a:t>,</a:t>
+            </a:r>
+          </a:p>
+          <a:p>
+            <a:r>
+              <a:rPr lang="en-US" sz="1050" dirty="0"/>
+              <a:t>  COUNT(*) AS </a:t>
+            </a:r>
+            <a:r>
+              <a:rPr lang="en-US" sz="1050" dirty="0" err="1"/>
+              <a:t>rental_count</a:t>
+            </a:r>
+            <a:endParaRPr lang="en-US" sz="1050" dirty="0"/>
+          </a:p>
+          <a:p>
+            <a:r>
+              <a:rPr lang="en-US" sz="1050" dirty="0"/>
+              <a:t>FROM rental</a:t>
+            </a:r>
+          </a:p>
+          <a:p>
+            <a:r>
+              <a:rPr lang="en-US" sz="1050" dirty="0"/>
+              <a:t>INNER JOIN payment</a:t>
+            </a:r>
+          </a:p>
+          <a:p>
+            <a:r>
+              <a:rPr lang="en-US" sz="1050" dirty="0"/>
+              <a:t>  ON </a:t>
+            </a:r>
+            <a:r>
+              <a:rPr lang="en-US" sz="1050" dirty="0" err="1"/>
+              <a:t>payment.rental_id</a:t>
+            </a:r>
+            <a:r>
+              <a:rPr lang="en-US" sz="1050" dirty="0"/>
+              <a:t> = </a:t>
+            </a:r>
+            <a:r>
+              <a:rPr lang="en-US" sz="1050" dirty="0" err="1"/>
+              <a:t>rental.rental_id</a:t>
+            </a:r>
+            <a:endParaRPr lang="en-US" sz="1050" dirty="0"/>
+          </a:p>
+          <a:p>
+            <a:r>
+              <a:rPr lang="en-US" sz="1050" dirty="0"/>
+              <a:t>INNER JOIN staff</a:t>
+            </a:r>
+          </a:p>
+          <a:p>
+            <a:r>
+              <a:rPr lang="en-US" sz="1050" dirty="0"/>
+              <a:t>  ON </a:t>
+            </a:r>
+            <a:r>
+              <a:rPr lang="en-US" sz="1050" dirty="0" err="1"/>
+              <a:t>staff.staff_id</a:t>
+            </a:r>
+            <a:r>
+              <a:rPr lang="en-US" sz="1050" dirty="0"/>
+              <a:t> = </a:t>
+            </a:r>
+            <a:r>
+              <a:rPr lang="en-US" sz="1050" dirty="0" err="1"/>
+              <a:t>payment.staff_id</a:t>
+            </a:r>
+            <a:endParaRPr lang="en-US" sz="1050" dirty="0"/>
+          </a:p>
+          <a:p>
+            <a:r>
+              <a:rPr lang="en-US" sz="1050" dirty="0"/>
+              <a:t>INNER JOIN store</a:t>
+            </a:r>
+          </a:p>
+          <a:p>
+            <a:r>
+              <a:rPr lang="en-US" sz="1050" dirty="0"/>
+              <a:t>  ON </a:t>
+            </a:r>
+            <a:r>
+              <a:rPr lang="en-US" sz="1050" dirty="0" err="1"/>
+              <a:t>store.store_id</a:t>
+            </a:r>
+            <a:r>
+              <a:rPr lang="en-US" sz="1050" dirty="0"/>
+              <a:t> = </a:t>
+            </a:r>
+            <a:r>
+              <a:rPr lang="en-US" sz="1050" dirty="0" err="1"/>
+              <a:t>staff.store_id</a:t>
+            </a:r>
+            <a:endParaRPr lang="en-US" sz="1050" dirty="0"/>
+          </a:p>
+          <a:p>
+            <a:r>
+              <a:rPr lang="en-US" sz="1050" dirty="0"/>
+              <a:t>GROUP BY 1,</a:t>
+            </a:r>
+          </a:p>
+          <a:p>
+            <a:r>
+              <a:rPr lang="en-US" sz="1050" dirty="0"/>
+              <a:t>         2,</a:t>
+            </a:r>
+          </a:p>
+          <a:p>
+            <a:r>
+              <a:rPr lang="en-US" sz="1050" dirty="0"/>
+              <a:t>         3</a:t>
+            </a:r>
+          </a:p>
+          <a:p>
+            <a:r>
+              <a:rPr lang="en-US" sz="1050" dirty="0"/>
+              <a:t>ORDER BY 4 DESC;</a:t>
+            </a:r>
+          </a:p>
+        </p:txBody>
+      </p:sp>
     </p:spTree>
     <p:extLst>
       <p:ext uri="{BB962C8B-B14F-4D97-AF65-F5344CB8AC3E}">
@@ -28240,12 +29111,11 @@
 </file>
 
 <file path=customXml/item1.xml><?xml version="1.0" encoding="utf-8"?>
-<?mso-contentType ?>
-<FormTemplates xmlns="http://schemas.microsoft.com/sharepoint/v3/contenttype/forms">
-  <Display>DocumentLibraryForm</Display>
-  <Edit>DocumentLibraryForm</Edit>
-  <New>DocumentLibraryForm</New>
-</FormTemplates>
+<p:properties xmlns:p="http://schemas.microsoft.com/office/2006/metadata/properties" xmlns:xsi="http://www.w3.org/2001/XMLSchema-instance" xmlns:pc="http://schemas.microsoft.com/office/infopath/2007/PartnerControls">
+  <documentManagement>
+    <MediaServiceKeyPoints xmlns="71af3243-3dd4-4a8d-8c0d-dd76da1f02a5" xsi:nil="true"/>
+  </documentManagement>
+</p:properties>
 </file>
 
 <file path=customXml/item2.xml><?xml version="1.0" encoding="utf-8"?>
@@ -28460,17 +29330,20 @@
 </file>
 
 <file path=customXml/item3.xml><?xml version="1.0" encoding="utf-8"?>
-<p:properties xmlns:p="http://schemas.microsoft.com/office/2006/metadata/properties" xmlns:xsi="http://www.w3.org/2001/XMLSchema-instance" xmlns:pc="http://schemas.microsoft.com/office/infopath/2007/PartnerControls">
-  <documentManagement>
-    <MediaServiceKeyPoints xmlns="71af3243-3dd4-4a8d-8c0d-dd76da1f02a5" xsi:nil="true"/>
-  </documentManagement>
-</p:properties>
+<?mso-contentType ?>
+<FormTemplates xmlns="http://schemas.microsoft.com/sharepoint/v3/contenttype/forms">
+  <Display>DocumentLibraryForm</Display>
+  <Edit>DocumentLibraryForm</Edit>
+  <New>DocumentLibraryForm</New>
+</FormTemplates>
 </file>
 
 <file path=customXml/itemProps1.xml><?xml version="1.0" encoding="utf-8"?>
-<ds:datastoreItem xmlns:ds="http://schemas.openxmlformats.org/officeDocument/2006/customXml" ds:itemID="{4F44C90D-2A62-4985-9618-3460247437B1}">
+<ds:datastoreItem xmlns:ds="http://schemas.openxmlformats.org/officeDocument/2006/customXml" ds:itemID="{788A2F88-55C5-4ED1-9541-807C65424763}">
   <ds:schemaRefs>
-    <ds:schemaRef ds:uri="http://schemas.microsoft.com/sharepoint/v3/contenttype/forms"/>
+    <ds:schemaRef ds:uri="http://schemas.microsoft.com/office/2006/metadata/properties"/>
+    <ds:schemaRef ds:uri="http://schemas.microsoft.com/office/infopath/2007/PartnerControls"/>
+    <ds:schemaRef ds:uri="71af3243-3dd4-4a8d-8c0d-dd76da1f02a5"/>
   </ds:schemaRefs>
 </ds:datastoreItem>
 </file>
@@ -28495,11 +29368,9 @@
 </file>
 
 <file path=customXml/itemProps3.xml><?xml version="1.0" encoding="utf-8"?>
-<ds:datastoreItem xmlns:ds="http://schemas.openxmlformats.org/officeDocument/2006/customXml" ds:itemID="{788A2F88-55C5-4ED1-9541-807C65424763}">
+<ds:datastoreItem xmlns:ds="http://schemas.openxmlformats.org/officeDocument/2006/customXml" ds:itemID="{4F44C90D-2A62-4985-9618-3460247437B1}">
   <ds:schemaRefs>
-    <ds:schemaRef ds:uri="http://schemas.microsoft.com/office/2006/metadata/properties"/>
-    <ds:schemaRef ds:uri="http://schemas.microsoft.com/office/infopath/2007/PartnerControls"/>
-    <ds:schemaRef ds:uri="71af3243-3dd4-4a8d-8c0d-dd76da1f02a5"/>
+    <ds:schemaRef ds:uri="http://schemas.microsoft.com/sharepoint/v3/contenttype/forms"/>
   </ds:schemaRefs>
 </ds:datastoreItem>
 </file>